--- a/01.1 Gestion de projet/01_GestionDeProjet.pptx
+++ b/01.1 Gestion de projet/01_GestionDeProjet.pptx
@@ -2,39 +2,39 @@
 <file path=ppt/presentation.xml><?xml version="1.0" encoding="utf-8"?>
 <p:presentation xmlns:a="http://schemas.openxmlformats.org/drawingml/2006/main" xmlns:r="http://schemas.openxmlformats.org/officeDocument/2006/relationships" xmlns:p="http://schemas.openxmlformats.org/presentationml/2006/main" saveSubsetFonts="1">
   <p:sldMasterIdLst>
-    <p:sldMasterId id="2147483673" r:id="rId1"/>
+    <p:sldMasterId id="2147483673" r:id="rId4"/>
   </p:sldMasterIdLst>
   <p:notesMasterIdLst>
-    <p:notesMasterId r:id="rId26"/>
+    <p:notesMasterId r:id="rId29"/>
   </p:notesMasterIdLst>
   <p:handoutMasterIdLst>
-    <p:handoutMasterId r:id="rId27"/>
+    <p:handoutMasterId r:id="rId30"/>
   </p:handoutMasterIdLst>
   <p:sldIdLst>
-    <p:sldId id="304" r:id="rId2"/>
-    <p:sldId id="356" r:id="rId3"/>
-    <p:sldId id="397" r:id="rId4"/>
-    <p:sldId id="398" r:id="rId5"/>
-    <p:sldId id="399" r:id="rId6"/>
-    <p:sldId id="265" r:id="rId7"/>
-    <p:sldId id="418" r:id="rId8"/>
-    <p:sldId id="400" r:id="rId9"/>
-    <p:sldId id="401" r:id="rId10"/>
-    <p:sldId id="402" r:id="rId11"/>
-    <p:sldId id="407" r:id="rId12"/>
-    <p:sldId id="419" r:id="rId13"/>
-    <p:sldId id="404" r:id="rId14"/>
-    <p:sldId id="405" r:id="rId15"/>
-    <p:sldId id="403" r:id="rId16"/>
-    <p:sldId id="406" r:id="rId17"/>
-    <p:sldId id="423" r:id="rId18"/>
-    <p:sldId id="277" r:id="rId19"/>
-    <p:sldId id="278" r:id="rId20"/>
-    <p:sldId id="279" r:id="rId21"/>
-    <p:sldId id="408" r:id="rId22"/>
-    <p:sldId id="280" r:id="rId23"/>
-    <p:sldId id="282" r:id="rId24"/>
-    <p:sldId id="420" r:id="rId25"/>
+    <p:sldId id="304" r:id="rId5"/>
+    <p:sldId id="356" r:id="rId6"/>
+    <p:sldId id="397" r:id="rId7"/>
+    <p:sldId id="398" r:id="rId8"/>
+    <p:sldId id="399" r:id="rId9"/>
+    <p:sldId id="265" r:id="rId10"/>
+    <p:sldId id="418" r:id="rId11"/>
+    <p:sldId id="400" r:id="rId12"/>
+    <p:sldId id="401" r:id="rId13"/>
+    <p:sldId id="402" r:id="rId14"/>
+    <p:sldId id="407" r:id="rId15"/>
+    <p:sldId id="419" r:id="rId16"/>
+    <p:sldId id="404" r:id="rId17"/>
+    <p:sldId id="405" r:id="rId18"/>
+    <p:sldId id="403" r:id="rId19"/>
+    <p:sldId id="406" r:id="rId20"/>
+    <p:sldId id="423" r:id="rId21"/>
+    <p:sldId id="277" r:id="rId22"/>
+    <p:sldId id="278" r:id="rId23"/>
+    <p:sldId id="279" r:id="rId24"/>
+    <p:sldId id="408" r:id="rId25"/>
+    <p:sldId id="280" r:id="rId26"/>
+    <p:sldId id="282" r:id="rId27"/>
+    <p:sldId id="420" r:id="rId28"/>
   </p:sldIdLst>
   <p:sldSz cx="12192000" cy="6858000"/>
   <p:notesSz cx="6858000" cy="9144000"/>
@@ -293,7 +293,7 @@
           <a:p>
             <a:fld id="{B6611FD0-859A-4966-8B5A-03D2C0B8D84A}" type="datetimeFigureOut">
               <a:rPr lang="fr-CH" smtClean="0"/>
-              <a:t>28.02.2024</a:t>
+              <a:t>29.02.24</a:t>
             </a:fld>
             <a:endParaRPr lang="fr-CH"/>
           </a:p>
@@ -458,7 +458,7 @@
           <a:p>
             <a:fld id="{407D2470-DC2F-46B4-88FF-38852288AAEC}" type="datetimeFigureOut">
               <a:rPr lang="en-US" smtClean="0"/>
-              <a:t>2/28/2024</a:t>
+              <a:t>2/29/24</a:t>
             </a:fld>
             <a:endParaRPr lang="en-US"/>
           </a:p>
@@ -5918,7 +5918,7 @@
                   <a:srgbClr val="00B0F0"/>
                 </a:solidFill>
               </a:rPr>
-              <a:t>Les user sotires</a:t>
+              <a:t>Les user stories</a:t>
             </a:r>
           </a:p>
         </p:txBody>
@@ -10284,15 +10284,6 @@
           <a:solidFill>
             <a:srgbClr val="FFFFFF"/>
           </a:solidFill>
-          <a:extLst>
-            <a:ext uri="{909E8E84-426E-40DD-AFC4-6F175D3DCCD1}">
-              <a14:hiddenFill xmlns:a14="http://schemas.microsoft.com/office/drawing/2010/main">
-                <a:solidFill>
-                  <a:srgbClr val="FFFFFF"/>
-                </a:solidFill>
-              </a14:hiddenFill>
-            </a:ext>
-          </a:extLst>
         </p:spPr>
       </p:pic>
       <p:sp>
@@ -14222,15 +14213,6 @@
 </file>
 
 <file path=customXml/item2.xml><?xml version="1.0" encoding="utf-8"?>
-<?mso-contentType ?>
-<FormTemplates xmlns="http://schemas.microsoft.com/sharepoint/v3/contenttype/forms">
-  <Display>DocumentLibraryForm</Display>
-  <Edit>DocumentLibraryForm</Edit>
-  <New>DocumentLibraryForm</New>
-</FormTemplates>
-</file>
-
-<file path=customXml/item3.xml><?xml version="1.0" encoding="utf-8"?>
 <p:properties xmlns:p="http://schemas.microsoft.com/office/2006/metadata/properties" xmlns:xsi="http://www.w3.org/2001/XMLSchema-instance" xmlns:pc="http://schemas.microsoft.com/office/infopath/2007/PartnerControls">
   <documentManagement>
     <lcf76f155ced4ddcb4097134ff3c332f xmlns="268f7112-b9c5-4785-ad0c-ab52eb23d8c5">
@@ -14240,14 +14222,47 @@
 </p:properties>
 </file>
 
+<file path=customXml/item3.xml><?xml version="1.0" encoding="utf-8"?>
+<?mso-contentType ?>
+<FormTemplates xmlns="http://schemas.microsoft.com/sharepoint/v3/contenttype/forms">
+  <Display>DocumentLibraryForm</Display>
+  <Edit>DocumentLibraryForm</Edit>
+  <New>DocumentLibraryForm</New>
+</FormTemplates>
+</file>
+
 <file path=customXml/itemProps1.xml><?xml version="1.0" encoding="utf-8"?>
-<ds:datastoreItem xmlns:ds="http://schemas.openxmlformats.org/officeDocument/2006/customXml" ds:itemID="{886A92A3-53D3-42F6-8A7F-156E388F1CC9}"/>
+<ds:datastoreItem xmlns:ds="http://schemas.openxmlformats.org/officeDocument/2006/customXml" ds:itemID="{886A92A3-53D3-42F6-8A7F-156E388F1CC9}">
+  <ds:schemaRefs>
+    <ds:schemaRef ds:uri="http://schemas.microsoft.com/office/2006/metadata/contentType"/>
+    <ds:schemaRef ds:uri="http://schemas.microsoft.com/office/2006/metadata/properties/metaAttributes"/>
+    <ds:schemaRef ds:uri="http://www.w3.org/2001/XMLSchema"/>
+    <ds:schemaRef ds:uri="http://schemas.microsoft.com/office/2006/metadata/properties"/>
+    <ds:schemaRef ds:uri="268f7112-b9c5-4785-ad0c-ab52eb23d8c5"/>
+    <ds:schemaRef ds:uri="http://schemas.microsoft.com/office/2006/documentManagement/types"/>
+    <ds:schemaRef ds:uri="http://schemas.microsoft.com/office/infopath/2007/PartnerControls"/>
+    <ds:schemaRef ds:uri="http://schemas.openxmlformats.org/package/2006/metadata/core-properties"/>
+    <ds:schemaRef ds:uri="http://purl.org/dc/elements/1.1/"/>
+    <ds:schemaRef ds:uri="http://purl.org/dc/terms/"/>
+    <ds:schemaRef ds:uri="http://schemas.microsoft.com/internal/obd"/>
+  </ds:schemaRefs>
+</ds:datastoreItem>
 </file>
 
 <file path=customXml/itemProps2.xml><?xml version="1.0" encoding="utf-8"?>
-<ds:datastoreItem xmlns:ds="http://schemas.openxmlformats.org/officeDocument/2006/customXml" ds:itemID="{EA156D7A-D1F5-471C-899B-FEC1639DF008}"/>
+<ds:datastoreItem xmlns:ds="http://schemas.openxmlformats.org/officeDocument/2006/customXml" ds:itemID="{288E5175-C223-4DE1-8D8A-07309614A4CB}">
+  <ds:schemaRefs>
+    <ds:schemaRef ds:uri="http://schemas.microsoft.com/office/2006/metadata/properties"/>
+    <ds:schemaRef ds:uri="http://schemas.microsoft.com/office/infopath/2007/PartnerControls"/>
+    <ds:schemaRef ds:uri="268f7112-b9c5-4785-ad0c-ab52eb23d8c5"/>
+  </ds:schemaRefs>
+</ds:datastoreItem>
 </file>
 
 <file path=customXml/itemProps3.xml><?xml version="1.0" encoding="utf-8"?>
-<ds:datastoreItem xmlns:ds="http://schemas.openxmlformats.org/officeDocument/2006/customXml" ds:itemID="{288E5175-C223-4DE1-8D8A-07309614A4CB}"/>
+<ds:datastoreItem xmlns:ds="http://schemas.openxmlformats.org/officeDocument/2006/customXml" ds:itemID="{EA156D7A-D1F5-471C-899B-FEC1639DF008}">
+  <ds:schemaRefs>
+    <ds:schemaRef ds:uri="http://schemas.microsoft.com/sharepoint/v3/contenttype/forms"/>
+  </ds:schemaRefs>
+</ds:datastoreItem>
 </file>